--- a/ALX-Webstack - Portfolio Project - Pitch.pptx
+++ b/ALX-Webstack - Portfolio Project - Pitch.pptx
@@ -280,7 +280,7 @@
           <a:p>
             <a:fld id="{CC6BA5CD-104A-4E30-98A9-8C139209D9BD}" type="datetime1">
               <a:rPr lang="en-US" smtClean="0"/>
-              <a:t>12/6/2023</a:t>
+              <a:t>12/18/2023</a:t>
             </a:fld>
             <a:endParaRPr lang="en-US"/>
           </a:p>
@@ -453,7 +453,7 @@
           <a:p>
             <a:fld id="{18F995F7-A08D-435B-80E4-DB9C2306CDC1}" type="datetime1">
               <a:rPr lang="en-US" smtClean="0"/>
-              <a:t>12/6/2023</a:t>
+              <a:t>12/18/2023</a:t>
             </a:fld>
             <a:endParaRPr lang="en-US"/>
           </a:p>
@@ -636,7 +636,7 @@
           <a:p>
             <a:fld id="{54A04A99-7C87-479F-BE7C-A7B98DF27EBE}" type="datetime1">
               <a:rPr lang="en-US" smtClean="0"/>
-              <a:t>12/6/2023</a:t>
+              <a:t>12/18/2023</a:t>
             </a:fld>
             <a:endParaRPr lang="en-US"/>
           </a:p>
@@ -871,7 +871,7 @@
           <a:p>
             <a:fld id="{98DC15B3-D9F7-4F94-9137-07C5E36128E6}" type="datetime1">
               <a:rPr lang="en-US" smtClean="0"/>
-              <a:t>12/6/2023</a:t>
+              <a:t>12/18/2023</a:t>
             </a:fld>
             <a:endParaRPr lang="en-US" dirty="0"/>
           </a:p>
@@ -1163,7 +1163,7 @@
           <a:p>
             <a:fld id="{41000383-D2F0-4F48-8FFB-6167A8EFB0C7}" type="datetime1">
               <a:rPr lang="en-US" smtClean="0"/>
-              <a:t>12/6/2023</a:t>
+              <a:t>12/18/2023</a:t>
             </a:fld>
             <a:endParaRPr lang="en-US"/>
           </a:p>
@@ -1398,7 +1398,7 @@
           <a:p>
             <a:fld id="{89315853-22DA-4C71-973D-D53F5D63CAC6}" type="datetime1">
               <a:rPr lang="en-US" smtClean="0"/>
-              <a:t>12/6/2023</a:t>
+              <a:t>12/18/2023</a:t>
             </a:fld>
             <a:endParaRPr lang="en-US"/>
           </a:p>
@@ -1768,7 +1768,7 @@
           <a:p>
             <a:fld id="{DDCE0D7B-0A31-47DF-BB4B-30A76699E49B}" type="datetime1">
               <a:rPr lang="en-US" smtClean="0"/>
-              <a:t>12/6/2023</a:t>
+              <a:t>12/18/2023</a:t>
             </a:fld>
             <a:endParaRPr lang="en-US"/>
           </a:p>
@@ -1889,7 +1889,7 @@
           <a:p>
             <a:fld id="{3D536A47-273C-4183-948B-BF817B11C2C7}" type="datetime1">
               <a:rPr lang="en-US" smtClean="0"/>
-              <a:t>12/6/2023</a:t>
+              <a:t>12/18/2023</a:t>
             </a:fld>
             <a:endParaRPr lang="en-US"/>
           </a:p>
@@ -1987,7 +1987,7 @@
           <a:p>
             <a:fld id="{0A576D52-BF4E-4057-B4B8-9E22A86D8685}" type="datetime1">
               <a:rPr lang="en-US" smtClean="0"/>
-              <a:t>12/6/2023</a:t>
+              <a:t>12/18/2023</a:t>
             </a:fld>
             <a:endParaRPr lang="en-US"/>
           </a:p>
@@ -2267,7 +2267,7 @@
           <a:p>
             <a:fld id="{81E3A8CA-D244-4355-8C66-372816924856}" type="datetime1">
               <a:rPr lang="en-US" smtClean="0"/>
-              <a:t>12/6/2023</a:t>
+              <a:t>12/18/2023</a:t>
             </a:fld>
             <a:endParaRPr lang="en-US"/>
           </a:p>
@@ -2527,7 +2527,7 @@
           <a:p>
             <a:fld id="{A8E5FBBB-6404-4405-A367-8141EFF8C789}" type="datetime1">
               <a:rPr lang="en-US" smtClean="0"/>
-              <a:t>12/6/2023</a:t>
+              <a:t>12/18/2023</a:t>
             </a:fld>
             <a:endParaRPr lang="en-US"/>
           </a:p>
@@ -2743,7 +2743,7 @@
           <a:p>
             <a:fld id="{C98CA0C4-4141-476A-8AB0-C16B2B605BAA}" type="datetime1">
               <a:rPr lang="en-US" smtClean="0"/>
-              <a:t>12/6/2023</a:t>
+              <a:t>12/18/2023</a:t>
             </a:fld>
             <a:endParaRPr lang="en-US"/>
           </a:p>
@@ -4134,19 +4134,6 @@
             </a:pPr>
             <a:r>
               <a:rPr lang="en-US" dirty="0"/>
-              <a:t>Heroku for deploying and hosting the web application.</a:t>
-            </a:r>
-          </a:p>
-          <a:p>
-            <a:pPr marL="514350" indent="-514350">
-              <a:lnSpc>
-                <a:spcPct val="150000"/>
-              </a:lnSpc>
-              <a:buFont typeface="+mj-lt"/>
-              <a:buAutoNum type="arabicPeriod"/>
-            </a:pPr>
-            <a:r>
-              <a:rPr lang="en-US" dirty="0"/>
               <a:t>Git for version control and collaboration.</a:t>
             </a:r>
           </a:p>
